--- a/doc/presentation.pptx
+++ b/doc/presentation.pptx
@@ -229,7 +229,7 @@
           <a:p>
             <a:fld id="{6F706F6E-1B68-4586-847C-CB72A2196B1A}" type="datetimeFigureOut">
               <a:rPr lang="en-US" smtClean="0"/>
-              <a:t>9/9/2020</a:t>
+              <a:t>9/10/2020</a:t>
             </a:fld>
             <a:endParaRPr lang="en-US"/>
           </a:p>
@@ -2942,7 +2942,7 @@
           <a:p>
             <a:fld id="{12194D65-9707-4477-B492-8CDFEE8F847C}" type="datetimeFigureOut">
               <a:rPr lang="en-US" smtClean="0"/>
-              <a:t>9/9/2020</a:t>
+              <a:t>9/10/2020</a:t>
             </a:fld>
             <a:endParaRPr lang="en-US"/>
           </a:p>
@@ -3112,7 +3112,7 @@
           <a:p>
             <a:fld id="{12194D65-9707-4477-B492-8CDFEE8F847C}" type="datetimeFigureOut">
               <a:rPr lang="en-US" smtClean="0"/>
-              <a:t>9/9/2020</a:t>
+              <a:t>9/10/2020</a:t>
             </a:fld>
             <a:endParaRPr lang="en-US"/>
           </a:p>
@@ -3292,7 +3292,7 @@
           <a:p>
             <a:fld id="{12194D65-9707-4477-B492-8CDFEE8F847C}" type="datetimeFigureOut">
               <a:rPr lang="en-US" smtClean="0"/>
-              <a:t>9/9/2020</a:t>
+              <a:t>9/10/2020</a:t>
             </a:fld>
             <a:endParaRPr lang="en-US"/>
           </a:p>
@@ -3462,7 +3462,7 @@
           <a:p>
             <a:fld id="{12194D65-9707-4477-B492-8CDFEE8F847C}" type="datetimeFigureOut">
               <a:rPr lang="en-US" smtClean="0"/>
-              <a:t>9/9/2020</a:t>
+              <a:t>9/10/2020</a:t>
             </a:fld>
             <a:endParaRPr lang="en-US"/>
           </a:p>
@@ -3708,7 +3708,7 @@
           <a:p>
             <a:fld id="{12194D65-9707-4477-B492-8CDFEE8F847C}" type="datetimeFigureOut">
               <a:rPr lang="en-US" smtClean="0"/>
-              <a:t>9/9/2020</a:t>
+              <a:t>9/10/2020</a:t>
             </a:fld>
             <a:endParaRPr lang="en-US"/>
           </a:p>
@@ -3940,7 +3940,7 @@
           <a:p>
             <a:fld id="{12194D65-9707-4477-B492-8CDFEE8F847C}" type="datetimeFigureOut">
               <a:rPr lang="en-US" smtClean="0"/>
-              <a:t>9/9/2020</a:t>
+              <a:t>9/10/2020</a:t>
             </a:fld>
             <a:endParaRPr lang="en-US"/>
           </a:p>
@@ -4307,7 +4307,7 @@
           <a:p>
             <a:fld id="{12194D65-9707-4477-B492-8CDFEE8F847C}" type="datetimeFigureOut">
               <a:rPr lang="en-US" smtClean="0"/>
-              <a:t>9/9/2020</a:t>
+              <a:t>9/10/2020</a:t>
             </a:fld>
             <a:endParaRPr lang="en-US"/>
           </a:p>
@@ -4425,7 +4425,7 @@
           <a:p>
             <a:fld id="{12194D65-9707-4477-B492-8CDFEE8F847C}" type="datetimeFigureOut">
               <a:rPr lang="en-US" smtClean="0"/>
-              <a:t>9/9/2020</a:t>
+              <a:t>9/10/2020</a:t>
             </a:fld>
             <a:endParaRPr lang="en-US"/>
           </a:p>
@@ -4520,7 +4520,7 @@
           <a:p>
             <a:fld id="{12194D65-9707-4477-B492-8CDFEE8F847C}" type="datetimeFigureOut">
               <a:rPr lang="en-US" smtClean="0"/>
-              <a:t>9/9/2020</a:t>
+              <a:t>9/10/2020</a:t>
             </a:fld>
             <a:endParaRPr lang="en-US"/>
           </a:p>
@@ -4797,7 +4797,7 @@
           <a:p>
             <a:fld id="{12194D65-9707-4477-B492-8CDFEE8F847C}" type="datetimeFigureOut">
               <a:rPr lang="en-US" smtClean="0"/>
-              <a:t>9/9/2020</a:t>
+              <a:t>9/10/2020</a:t>
             </a:fld>
             <a:endParaRPr lang="en-US"/>
           </a:p>
@@ -5050,7 +5050,7 @@
           <a:p>
             <a:fld id="{12194D65-9707-4477-B492-8CDFEE8F847C}" type="datetimeFigureOut">
               <a:rPr lang="en-US" smtClean="0"/>
-              <a:t>9/9/2020</a:t>
+              <a:t>9/10/2020</a:t>
             </a:fld>
             <a:endParaRPr lang="en-US"/>
           </a:p>
@@ -5263,7 +5263,7 @@
           <a:p>
             <a:fld id="{12194D65-9707-4477-B492-8CDFEE8F847C}" type="datetimeFigureOut">
               <a:rPr lang="en-US" smtClean="0"/>
-              <a:t>9/9/2020</a:t>
+              <a:t>9/10/2020</a:t>
             </a:fld>
             <a:endParaRPr lang="en-US"/>
           </a:p>
@@ -5706,20 +5706,12 @@
               <a:rPr lang="en-US" smtClean="0"/>
               <a:t>for Nucleic Acid Cross-linking </a:t>
             </a:r>
-            <a:r>
-              <a:rPr lang="en-US" smtClean="0"/>
-              <a:t/>
-            </a:r>
             <a:br>
               <a:rPr lang="en-US" smtClean="0"/>
             </a:br>
             <a:r>
               <a:rPr lang="en-US" smtClean="0"/>
-              <a:t>Mass </a:t>
-            </a:r>
-            <a:r>
-              <a:rPr lang="en-US" smtClean="0"/>
-              <a:t>Spectrometry</a:t>
+              <a:t>Mass Spectrometry</a:t>
             </a:r>
             <a:endParaRPr lang="en-US"/>
           </a:p>
@@ -5801,7 +5793,7 @@
           <p:cNvPr id="21" name="Geschweifte Klammer links 20">
             <a:extLst>
               <a:ext uri="{FF2B5EF4-FFF2-40B4-BE49-F238E27FC236}">
-                <a16:creationId xmlns:a16="http://schemas.microsoft.com/office/drawing/2014/main" xmlns="" id="{46F583E0-3500-4365-8D3A-584974DC1F32}"/>
+                <a16:creationId xmlns="" xmlns:a16="http://schemas.microsoft.com/office/drawing/2014/main" id="{46F583E0-3500-4365-8D3A-584974DC1F32}"/>
               </a:ext>
             </a:extLst>
           </p:cNvPr>
@@ -7455,7 +7447,7 @@
           <p:cNvPr id="18" name="Textfeld 17">
             <a:extLst>
               <a:ext uri="{FF2B5EF4-FFF2-40B4-BE49-F238E27FC236}">
-                <a16:creationId xmlns:a16="http://schemas.microsoft.com/office/drawing/2014/main" xmlns="" xmlns:a14="http://schemas.microsoft.com/office/drawing/2010/main" xmlns:mc="http://schemas.openxmlformats.org/markup-compatibility/2006" id="{F5D0278F-8592-4DAF-B8F8-9583A0E369A0}"/>
+                <a16:creationId xmlns:mc="http://schemas.openxmlformats.org/markup-compatibility/2006" xmlns:a14="http://schemas.microsoft.com/office/drawing/2010/main" xmlns="" xmlns:a16="http://schemas.microsoft.com/office/drawing/2014/main" id="{F5D0278F-8592-4DAF-B8F8-9583A0E369A0}"/>
               </a:ext>
             </a:extLst>
           </p:cNvPr>
@@ -7478,7 +7470,6 @@
           </a:bodyPr>
           <a:lstStyle/>
           <a:p>
-            <a:pPr/>
             <a:endParaRPr lang="de-DE" sz="8000" b="0" dirty="0"/>
           </a:p>
           <a:p>
@@ -7513,28 +7504,28 @@
                 <a:gridCol w="451212">
                   <a:extLst>
                     <a:ext uri="{9D8B030D-6E8A-4147-A177-3AD203B41FA5}">
-                      <a16:colId xmlns:a16="http://schemas.microsoft.com/office/drawing/2014/main" xmlns="" val="20000"/>
+                      <a16:colId xmlns="" xmlns:a16="http://schemas.microsoft.com/office/drawing/2014/main" val="20000"/>
                     </a:ext>
                   </a:extLst>
                 </a:gridCol>
                 <a:gridCol w="451212">
                   <a:extLst>
                     <a:ext uri="{9D8B030D-6E8A-4147-A177-3AD203B41FA5}">
-                      <a16:colId xmlns:a16="http://schemas.microsoft.com/office/drawing/2014/main" xmlns="" val="20001"/>
+                      <a16:colId xmlns="" xmlns:a16="http://schemas.microsoft.com/office/drawing/2014/main" val="20001"/>
                     </a:ext>
                   </a:extLst>
                 </a:gridCol>
                 <a:gridCol w="451212">
                   <a:extLst>
                     <a:ext uri="{9D8B030D-6E8A-4147-A177-3AD203B41FA5}">
-                      <a16:colId xmlns:a16="http://schemas.microsoft.com/office/drawing/2014/main" xmlns="" val="20002"/>
+                      <a16:colId xmlns="" xmlns:a16="http://schemas.microsoft.com/office/drawing/2014/main" val="20002"/>
                     </a:ext>
                   </a:extLst>
                 </a:gridCol>
                 <a:gridCol w="451212">
                   <a:extLst>
                     <a:ext uri="{9D8B030D-6E8A-4147-A177-3AD203B41FA5}">
-                      <a16:colId xmlns:a16="http://schemas.microsoft.com/office/drawing/2014/main" xmlns="" val="20003"/>
+                      <a16:colId xmlns="" xmlns:a16="http://schemas.microsoft.com/office/drawing/2014/main" val="20003"/>
                     </a:ext>
                   </a:extLst>
                 </a:gridCol>
@@ -7826,7 +7817,7 @@
                 </a:tc>
                 <a:extLst>
                   <a:ext uri="{0D108BD9-81ED-4DB2-BD59-A6C34878D82A}">
-                    <a16:rowId xmlns:a16="http://schemas.microsoft.com/office/drawing/2014/main" xmlns="" val="10000"/>
+                    <a16:rowId xmlns="" xmlns:a16="http://schemas.microsoft.com/office/drawing/2014/main" val="10000"/>
                   </a:ext>
                 </a:extLst>
               </a:tr>
@@ -8113,7 +8104,7 @@
                 </a:tc>
                 <a:extLst>
                   <a:ext uri="{0D108BD9-81ED-4DB2-BD59-A6C34878D82A}">
-                    <a16:rowId xmlns:a16="http://schemas.microsoft.com/office/drawing/2014/main" xmlns="" val="10001"/>
+                    <a16:rowId xmlns="" xmlns:a16="http://schemas.microsoft.com/office/drawing/2014/main" val="10001"/>
                   </a:ext>
                 </a:extLst>
               </a:tr>
@@ -8368,7 +8359,7 @@
                 </a:tc>
                 <a:extLst>
                   <a:ext uri="{0D108BD9-81ED-4DB2-BD59-A6C34878D82A}">
-                    <a16:rowId xmlns:a16="http://schemas.microsoft.com/office/drawing/2014/main" xmlns="" val="10002"/>
+                    <a16:rowId xmlns="" xmlns:a16="http://schemas.microsoft.com/office/drawing/2014/main" val="10002"/>
                   </a:ext>
                 </a:extLst>
               </a:tr>
@@ -8631,7 +8622,7 @@
                 </a:tc>
                 <a:extLst>
                   <a:ext uri="{0D108BD9-81ED-4DB2-BD59-A6C34878D82A}">
-                    <a16:rowId xmlns:a16="http://schemas.microsoft.com/office/drawing/2014/main" xmlns="" val="10003"/>
+                    <a16:rowId xmlns="" xmlns:a16="http://schemas.microsoft.com/office/drawing/2014/main" val="10003"/>
                   </a:ext>
                 </a:extLst>
               </a:tr>
@@ -8718,7 +8709,7 @@
             <p:cNvPr id="21" name="Geschweifte Klammer links 20">
               <a:extLst>
                 <a:ext uri="{FF2B5EF4-FFF2-40B4-BE49-F238E27FC236}">
-                  <a16:creationId xmlns:a16="http://schemas.microsoft.com/office/drawing/2014/main" xmlns="" id="{46F583E0-3500-4365-8D3A-584974DC1F32}"/>
+                  <a16:creationId xmlns="" xmlns:a16="http://schemas.microsoft.com/office/drawing/2014/main" id="{46F583E0-3500-4365-8D3A-584974DC1F32}"/>
                 </a:ext>
               </a:extLst>
             </p:cNvPr>
@@ -10891,7 +10882,7 @@
             <p:cNvPr id="14" name="Textfeld 13">
               <a:extLst>
                 <a:ext uri="{FF2B5EF4-FFF2-40B4-BE49-F238E27FC236}">
-                  <a16:creationId xmlns:a16="http://schemas.microsoft.com/office/drawing/2014/main" xmlns="" id="{B7A1D8F8-C5CC-49C4-8BF5-E32BD02D994F}"/>
+                  <a16:creationId xmlns="" xmlns:a16="http://schemas.microsoft.com/office/drawing/2014/main" id="{B7A1D8F8-C5CC-49C4-8BF5-E32BD02D994F}"/>
                 </a:ext>
               </a:extLst>
             </p:cNvPr>
@@ -10935,7 +10926,7 @@
                 <p:cNvPr id="18" name="Textfeld 17">
                   <a:extLst>
                     <a:ext uri="{FF2B5EF4-FFF2-40B4-BE49-F238E27FC236}">
-                      <a16:creationId xmlns:a16="http://schemas.microsoft.com/office/drawing/2014/main" xmlns="" id="{F5D0278F-8592-4DAF-B8F8-9583A0E369A0}"/>
+                      <a16:creationId xmlns="" xmlns:a16="http://schemas.microsoft.com/office/drawing/2014/main" id="{F5D0278F-8592-4DAF-B8F8-9583A0E369A0}"/>
                     </a:ext>
                   </a:extLst>
                 </p:cNvPr>
@@ -11055,28 +11046,28 @@
                 <a:gridCol w="451212">
                   <a:extLst>
                     <a:ext uri="{9D8B030D-6E8A-4147-A177-3AD203B41FA5}">
-                      <a16:colId xmlns:a16="http://schemas.microsoft.com/office/drawing/2014/main" xmlns="" val="20000"/>
+                      <a16:colId xmlns="" xmlns:a16="http://schemas.microsoft.com/office/drawing/2014/main" val="20000"/>
                     </a:ext>
                   </a:extLst>
                 </a:gridCol>
                 <a:gridCol w="451212">
                   <a:extLst>
                     <a:ext uri="{9D8B030D-6E8A-4147-A177-3AD203B41FA5}">
-                      <a16:colId xmlns:a16="http://schemas.microsoft.com/office/drawing/2014/main" xmlns="" val="20001"/>
+                      <a16:colId xmlns="" xmlns:a16="http://schemas.microsoft.com/office/drawing/2014/main" val="20001"/>
                     </a:ext>
                   </a:extLst>
                 </a:gridCol>
                 <a:gridCol w="451212">
                   <a:extLst>
                     <a:ext uri="{9D8B030D-6E8A-4147-A177-3AD203B41FA5}">
-                      <a16:colId xmlns:a16="http://schemas.microsoft.com/office/drawing/2014/main" xmlns="" val="20002"/>
+                      <a16:colId xmlns="" xmlns:a16="http://schemas.microsoft.com/office/drawing/2014/main" val="20002"/>
                     </a:ext>
                   </a:extLst>
                 </a:gridCol>
                 <a:gridCol w="451212">
                   <a:extLst>
                     <a:ext uri="{9D8B030D-6E8A-4147-A177-3AD203B41FA5}">
-                      <a16:colId xmlns:a16="http://schemas.microsoft.com/office/drawing/2014/main" xmlns="" val="20003"/>
+                      <a16:colId xmlns="" xmlns:a16="http://schemas.microsoft.com/office/drawing/2014/main" val="20003"/>
                     </a:ext>
                   </a:extLst>
                 </a:gridCol>
@@ -11368,7 +11359,7 @@
                 </a:tc>
                 <a:extLst>
                   <a:ext uri="{0D108BD9-81ED-4DB2-BD59-A6C34878D82A}">
-                    <a16:rowId xmlns:a16="http://schemas.microsoft.com/office/drawing/2014/main" xmlns="" val="10000"/>
+                    <a16:rowId xmlns="" xmlns:a16="http://schemas.microsoft.com/office/drawing/2014/main" val="10000"/>
                   </a:ext>
                 </a:extLst>
               </a:tr>
@@ -11655,7 +11646,7 @@
                 </a:tc>
                 <a:extLst>
                   <a:ext uri="{0D108BD9-81ED-4DB2-BD59-A6C34878D82A}">
-                    <a16:rowId xmlns:a16="http://schemas.microsoft.com/office/drawing/2014/main" xmlns="" val="10001"/>
+                    <a16:rowId xmlns="" xmlns:a16="http://schemas.microsoft.com/office/drawing/2014/main" val="10001"/>
                   </a:ext>
                 </a:extLst>
               </a:tr>
@@ -11910,7 +11901,7 @@
                 </a:tc>
                 <a:extLst>
                   <a:ext uri="{0D108BD9-81ED-4DB2-BD59-A6C34878D82A}">
-                    <a16:rowId xmlns:a16="http://schemas.microsoft.com/office/drawing/2014/main" xmlns="" val="10002"/>
+                    <a16:rowId xmlns="" xmlns:a16="http://schemas.microsoft.com/office/drawing/2014/main" val="10002"/>
                   </a:ext>
                 </a:extLst>
               </a:tr>
@@ -12173,7 +12164,7 @@
                 </a:tc>
                 <a:extLst>
                   <a:ext uri="{0D108BD9-81ED-4DB2-BD59-A6C34878D82A}">
-                    <a16:rowId xmlns:a16="http://schemas.microsoft.com/office/drawing/2014/main" xmlns="" val="10003"/>
+                    <a16:rowId xmlns="" xmlns:a16="http://schemas.microsoft.com/office/drawing/2014/main" val="10003"/>
                   </a:ext>
                 </a:extLst>
               </a:tr>
@@ -12303,11 +12294,11 @@
   <p:clrMapOvr>
     <a:masterClrMapping/>
   </p:clrMapOvr>
-  <mc:AlternateContent xmlns:mc="http://schemas.openxmlformats.org/markup-compatibility/2006">
-    <mc:Choice xmlns:p14="http://schemas.microsoft.com/office/powerpoint/2010/main" Requires="p14">
+  <mc:AlternateContent xmlns:mc="http://schemas.openxmlformats.org/markup-compatibility/2006" xmlns:p14="http://schemas.microsoft.com/office/powerpoint/2010/main">
+    <mc:Choice Requires="p14">
       <p:transition spd="slow" p14:dur="2000"/>
     </mc:Choice>
-    <mc:Fallback>
+    <mc:Fallback xmlns="">
       <p:transition spd="slow"/>
     </mc:Fallback>
   </mc:AlternateContent>
@@ -12384,7 +12375,11 @@
           <a:p>
             <a:r>
               <a:rPr lang="en-US" smtClean="0"/>
-              <a:t>Often times in lower quantity than linear peptides</a:t>
+              <a:t>Measured in </a:t>
+            </a:r>
+            <a:r>
+              <a:rPr lang="en-US" smtClean="0"/>
+              <a:t>lower quantity than linear peptides</a:t>
             </a:r>
           </a:p>
           <a:p>
@@ -12725,15 +12720,7 @@
           <a:p>
             <a:r>
               <a:rPr lang="en-US"/>
-              <a:t>optimalRanking </a:t>
-            </a:r>
-            <a:r>
-              <a:rPr lang="en-US"/>
-              <a:t>- </a:t>
-            </a:r>
-            <a:r>
-              <a:rPr lang="en-US"/>
-              <a:t>Results &amp; Discussion</a:t>
+              <a:t>optimalRanking - Results &amp; Discussion</a:t>
             </a:r>
           </a:p>
         </p:txBody>
@@ -12821,15 +12808,7 @@
           <a:p>
             <a:r>
               <a:rPr lang="en-US"/>
-              <a:t>optimalRanking </a:t>
-            </a:r>
-            <a:r>
-              <a:rPr lang="en-US"/>
-              <a:t>- </a:t>
-            </a:r>
-            <a:r>
-              <a:rPr lang="en-US"/>
-              <a:t>Results &amp; Discussion</a:t>
+              <a:t>optimalRanking - Results &amp; Discussion</a:t>
             </a:r>
           </a:p>
         </p:txBody>
@@ -12988,15 +12967,7 @@
           <a:p>
             <a:r>
               <a:rPr lang="en-US"/>
-              <a:t>optimalRanking </a:t>
-            </a:r>
-            <a:r>
-              <a:rPr lang="en-US"/>
-              <a:t>- </a:t>
-            </a:r>
-            <a:r>
-              <a:rPr lang="en-US"/>
-              <a:t>Results &amp; Discussion</a:t>
+              <a:t>optimalRanking - Results &amp; Discussion</a:t>
             </a:r>
           </a:p>
         </p:txBody>
@@ -13229,15 +13200,7 @@
           <a:p>
             <a:r>
               <a:rPr lang="en-US"/>
-              <a:t>optimalRanking </a:t>
-            </a:r>
-            <a:r>
-              <a:rPr lang="en-US"/>
-              <a:t>- </a:t>
-            </a:r>
-            <a:r>
-              <a:rPr lang="en-US"/>
-              <a:t>Results &amp; Discussion</a:t>
+              <a:t>optimalRanking - Results &amp; Discussion</a:t>
             </a:r>
           </a:p>
         </p:txBody>
@@ -13483,14 +13446,19 @@
             <p:ph type="title"/>
           </p:nvPr>
         </p:nvSpPr>
-        <p:spPr/>
+        <p:spPr>
+          <a:xfrm>
+            <a:off x="838200" y="394000"/>
+            <a:ext cx="10515600" cy="1325563"/>
+          </a:xfrm>
+        </p:spPr>
         <p:txBody>
           <a:bodyPr/>
           <a:lstStyle/>
           <a:p>
             <a:r>
               <a:rPr lang="en-US" smtClean="0"/>
-              <a:t>Gliederung</a:t>
+              <a:t>Outline</a:t>
             </a:r>
             <a:endParaRPr lang="en-US"/>
           </a:p>
@@ -13517,17 +13485,12 @@
               <a:rPr lang="en-US" smtClean="0"/>
               <a:t>Background </a:t>
             </a:r>
-            <a:endParaRPr lang="en-US" smtClean="0"/>
           </a:p>
           <a:p>
             <a:pPr lvl="1"/>
             <a:r>
               <a:rPr lang="en-US"/>
-              <a:t>Data Generation </a:t>
-            </a:r>
-            <a:r>
-              <a:rPr lang="en-US"/>
-              <a:t>and </a:t>
+              <a:t>Data Generation and </a:t>
             </a:r>
             <a:r>
               <a:rPr lang="en-US" smtClean="0"/>
@@ -13560,17 +13523,12 @@
             <a:pPr lvl="1"/>
             <a:r>
               <a:rPr lang="en-US"/>
-              <a:t>Characteristics of </a:t>
-            </a:r>
-            <a:r>
-              <a:rPr lang="en-US"/>
-              <a:t>Cross-linked </a:t>
+              <a:t>Characteristics of Cross-linked </a:t>
             </a:r>
             <a:r>
               <a:rPr lang="en-US" smtClean="0"/>
               <a:t>PSMs</a:t>
             </a:r>
-            <a:endParaRPr lang="en-US" smtClean="0"/>
           </a:p>
           <a:p>
             <a:r>
@@ -13608,17 +13566,12 @@
             <a:pPr lvl="1"/>
             <a:r>
               <a:rPr lang="en-US"/>
-              <a:t>Proportions </a:t>
-            </a:r>
-            <a:r>
-              <a:rPr lang="en-US"/>
-              <a:t>of </a:t>
+              <a:t>Proportions of </a:t>
             </a:r>
             <a:r>
               <a:rPr lang="en-US" smtClean="0"/>
               <a:t>Different Classes</a:t>
             </a:r>
-            <a:endParaRPr lang="en-US" smtClean="0"/>
           </a:p>
           <a:p>
             <a:r>
@@ -14782,11 +14735,7 @@
           <a:p>
             <a:r>
               <a:rPr lang="en-US"/>
-              <a:t>Proportions </a:t>
-            </a:r>
-            <a:r>
-              <a:rPr lang="en-US"/>
-              <a:t>of </a:t>
+              <a:t>Proportions of </a:t>
             </a:r>
             <a:r>
               <a:rPr lang="en-US" smtClean="0"/>
@@ -14879,11 +14828,7 @@
           <a:p>
             <a:r>
               <a:rPr lang="en-US" smtClean="0"/>
-              <a:t>Proportions of Different Classes </a:t>
-            </a:r>
-            <a:r>
-              <a:rPr lang="en-US" smtClean="0"/>
-              <a:t>- Results</a:t>
+              <a:t>Proportions of Different Classes - Results</a:t>
             </a:r>
             <a:endParaRPr lang="en-US"/>
           </a:p>
@@ -14910,11 +14855,7 @@
             </a:r>
             <a:r>
               <a:rPr lang="en-US"/>
-              <a:t>of target to decoy </a:t>
-            </a:r>
-            <a:r>
-              <a:rPr lang="en-US"/>
-              <a:t>PSMs is </a:t>
+              <a:t>of target to decoy PSMs is </a:t>
             </a:r>
             <a:r>
               <a:rPr lang="en-US" smtClean="0"/>
@@ -14922,11 +14863,7 @@
             </a:r>
             <a:r>
               <a:rPr lang="en-US"/>
-              <a:t>in the </a:t>
-            </a:r>
-            <a:r>
-              <a:rPr lang="en-US"/>
-              <a:t>whole </a:t>
+              <a:t>in the whole </a:t>
             </a:r>
             <a:r>
               <a:rPr lang="en-US" smtClean="0"/>
@@ -15167,11 +15104,7 @@
           <a:p>
             <a:r>
               <a:rPr lang="en-US" smtClean="0"/>
-              <a:t>Proportions of Different Classes </a:t>
-            </a:r>
-            <a:r>
-              <a:rPr lang="en-US" smtClean="0"/>
-              <a:t>- Results</a:t>
+              <a:t>Proportions of Different Classes - Results</a:t>
             </a:r>
             <a:endParaRPr lang="en-US"/>
           </a:p>
@@ -15461,11 +15394,7 @@
             </a:r>
             <a:r>
               <a:rPr lang="en-US"/>
-              <a:t>Sachsenberg. Computational methods for </a:t>
-            </a:r>
-            <a:r>
-              <a:rPr lang="en-US"/>
-              <a:t>mass </a:t>
+              <a:t>Sachsenberg. Computational methods for mass </a:t>
             </a:r>
             <a:r>
               <a:rPr lang="en-US" smtClean="0"/>
@@ -15473,11 +15402,7 @@
             </a:r>
             <a:r>
               <a:rPr lang="en-US"/>
-              <a:t>study of protein-RNA or protein-DNA complexes </a:t>
-            </a:r>
-            <a:r>
-              <a:rPr lang="en-US"/>
-              <a:t>and </a:t>
+              <a:t>study of protein-RNA or protein-DNA complexes and </a:t>
             </a:r>
             <a:r>
               <a:rPr lang="en-US" smtClean="0"/>
@@ -15485,11 +15410,7 @@
             </a:r>
             <a:r>
               <a:rPr lang="en-US"/>
-              <a:t>. </a:t>
-            </a:r>
-            <a:r>
-              <a:rPr lang="en-US"/>
-              <a:t>2017</a:t>
+              <a:t>. 2017</a:t>
             </a:r>
             <a:r>
               <a:rPr lang="en-US" smtClean="0"/>
@@ -15601,11 +15522,7 @@
             </a:r>
             <a:r>
               <a:rPr lang="en-US"/>
-              <a:t>peptides from the cell </a:t>
-            </a:r>
-            <a:r>
-              <a:rPr lang="en-US"/>
-              <a:t>type </a:t>
+              <a:t>peptides from the cell type </a:t>
             </a:r>
             <a:r>
               <a:rPr lang="en-US" smtClean="0"/>
@@ -15716,11 +15633,7 @@
             </a:r>
             <a:r>
               <a:rPr lang="en-US"/>
-              <a:t>peptides from the cell </a:t>
-            </a:r>
-            <a:r>
-              <a:rPr lang="en-US"/>
-              <a:t>type </a:t>
+              <a:t>peptides from the cell type </a:t>
             </a:r>
             <a:r>
               <a:rPr lang="en-US" smtClean="0"/>
@@ -15840,11 +15753,7 @@
             </a:r>
             <a:r>
               <a:rPr lang="en-US"/>
-              <a:t>peptides from the cell </a:t>
-            </a:r>
-            <a:r>
-              <a:rPr lang="en-US"/>
-              <a:t>type </a:t>
+              <a:t>peptides from the cell type </a:t>
             </a:r>
             <a:r>
               <a:rPr lang="en-US" smtClean="0"/>
@@ -15928,7 +15837,7 @@
             <p:cNvPr id="26" name="Group 14">
               <a:extLst>
                 <a:ext uri="{FF2B5EF4-FFF2-40B4-BE49-F238E27FC236}">
-                  <a16:creationId xmlns:a16="http://schemas.microsoft.com/office/drawing/2014/main" xmlns="" id="{906E443D-65DB-4693-A91A-5E00B5BBA958}"/>
+                  <a16:creationId xmlns="" xmlns:a16="http://schemas.microsoft.com/office/drawing/2014/main" id="{906E443D-65DB-4693-A91A-5E00B5BBA958}"/>
                 </a:ext>
               </a:extLst>
             </p:cNvPr>
@@ -15948,7 +15857,7 @@
               <p:cNvPr id="27" name="Group 11">
                 <a:extLst>
                   <a:ext uri="{FF2B5EF4-FFF2-40B4-BE49-F238E27FC236}">
-                    <a16:creationId xmlns:a16="http://schemas.microsoft.com/office/drawing/2014/main" xmlns="" id="{66FE0C33-5521-4359-88FF-DB3575A05A44}"/>
+                    <a16:creationId xmlns="" xmlns:a16="http://schemas.microsoft.com/office/drawing/2014/main" id="{66FE0C33-5521-4359-88FF-DB3575A05A44}"/>
                   </a:ext>
                 </a:extLst>
               </p:cNvPr>
@@ -15968,7 +15877,7 @@
                 <p:cNvPr id="30" name="Freeform: Shape 3">
                   <a:extLst>
                     <a:ext uri="{FF2B5EF4-FFF2-40B4-BE49-F238E27FC236}">
-                      <a16:creationId xmlns:a16="http://schemas.microsoft.com/office/drawing/2014/main" xmlns="" id="{52C7694A-E229-48F2-83BE-52BCA5B90737}"/>
+                      <a16:creationId xmlns="" xmlns:a16="http://schemas.microsoft.com/office/drawing/2014/main" id="{52C7694A-E229-48F2-83BE-52BCA5B90737}"/>
                     </a:ext>
                   </a:extLst>
                 </p:cNvPr>
@@ -16138,7 +16047,7 @@
                 <p:cNvPr id="31" name="Freeform: Shape 4">
                   <a:extLst>
                     <a:ext uri="{FF2B5EF4-FFF2-40B4-BE49-F238E27FC236}">
-                      <a16:creationId xmlns:a16="http://schemas.microsoft.com/office/drawing/2014/main" xmlns="" id="{56331CD9-FDBA-4741-9B8D-916391BD3F2D}"/>
+                      <a16:creationId xmlns="" xmlns:a16="http://schemas.microsoft.com/office/drawing/2014/main" id="{56331CD9-FDBA-4741-9B8D-916391BD3F2D}"/>
                     </a:ext>
                   </a:extLst>
                 </p:cNvPr>
@@ -16306,7 +16215,7 @@
                 <p:cNvPr id="32" name="Straight Arrow Connector 6">
                   <a:extLst>
                     <a:ext uri="{FF2B5EF4-FFF2-40B4-BE49-F238E27FC236}">
-                      <a16:creationId xmlns:a16="http://schemas.microsoft.com/office/drawing/2014/main" xmlns="" id="{07AB326E-98CC-40EC-89C5-2F8CCD17DD78}"/>
+                      <a16:creationId xmlns="" xmlns:a16="http://schemas.microsoft.com/office/drawing/2014/main" id="{07AB326E-98CC-40EC-89C5-2F8CCD17DD78}"/>
                     </a:ext>
                   </a:extLst>
                 </p:cNvPr>
@@ -16348,7 +16257,7 @@
                 <p:cNvPr id="33" name="Straight Arrow Connector 8">
                   <a:extLst>
                     <a:ext uri="{FF2B5EF4-FFF2-40B4-BE49-F238E27FC236}">
-                      <a16:creationId xmlns:a16="http://schemas.microsoft.com/office/drawing/2014/main" xmlns="" id="{E0F715D7-D807-4546-AC1F-AFC38B93DD85}"/>
+                      <a16:creationId xmlns="" xmlns:a16="http://schemas.microsoft.com/office/drawing/2014/main" id="{E0F715D7-D807-4546-AC1F-AFC38B93DD85}"/>
                     </a:ext>
                   </a:extLst>
                 </p:cNvPr>
@@ -16390,7 +16299,7 @@
                 <p:cNvPr id="34" name="TextBox 9">
                   <a:extLst>
                     <a:ext uri="{FF2B5EF4-FFF2-40B4-BE49-F238E27FC236}">
-                      <a16:creationId xmlns:a16="http://schemas.microsoft.com/office/drawing/2014/main" xmlns="" id="{735AABC6-44DE-49DD-8221-589C6004FBA2}"/>
+                      <a16:creationId xmlns="" xmlns:a16="http://schemas.microsoft.com/office/drawing/2014/main" id="{735AABC6-44DE-49DD-8221-589C6004FBA2}"/>
                     </a:ext>
                   </a:extLst>
                 </p:cNvPr>
@@ -16425,7 +16334,7 @@
                 <p:cNvPr id="35" name="TextBox 10">
                   <a:extLst>
                     <a:ext uri="{FF2B5EF4-FFF2-40B4-BE49-F238E27FC236}">
-                      <a16:creationId xmlns:a16="http://schemas.microsoft.com/office/drawing/2014/main" xmlns="" id="{B90E64DA-6CC6-426E-8399-5C357B647ADC}"/>
+                      <a16:creationId xmlns="" xmlns:a16="http://schemas.microsoft.com/office/drawing/2014/main" id="{B90E64DA-6CC6-426E-8399-5C357B647ADC}"/>
                     </a:ext>
                   </a:extLst>
                 </p:cNvPr>
@@ -16461,7 +16370,7 @@
               <p:cNvPr id="28" name="TextBox 12">
                 <a:extLst>
                   <a:ext uri="{FF2B5EF4-FFF2-40B4-BE49-F238E27FC236}">
-                    <a16:creationId xmlns:a16="http://schemas.microsoft.com/office/drawing/2014/main" xmlns="" id="{FE840F55-7880-415D-BD4E-EBA8A352849F}"/>
+                    <a16:creationId xmlns="" xmlns:a16="http://schemas.microsoft.com/office/drawing/2014/main" id="{FE840F55-7880-415D-BD4E-EBA8A352849F}"/>
                   </a:ext>
                 </a:extLst>
               </p:cNvPr>
@@ -16496,7 +16405,7 @@
               <p:cNvPr id="29" name="TextBox 13">
                 <a:extLst>
                   <a:ext uri="{FF2B5EF4-FFF2-40B4-BE49-F238E27FC236}">
-                    <a16:creationId xmlns:a16="http://schemas.microsoft.com/office/drawing/2014/main" xmlns="" id="{CD76AAB6-185B-4AE2-B956-DDB1357A94EC}"/>
+                    <a16:creationId xmlns="" xmlns:a16="http://schemas.microsoft.com/office/drawing/2014/main" id="{CD76AAB6-185B-4AE2-B956-DDB1357A94EC}"/>
                   </a:ext>
                 </a:extLst>
               </p:cNvPr>
@@ -16532,7 +16441,7 @@
             <p:cNvPr id="36" name="Group 28">
               <a:extLst>
                 <a:ext uri="{FF2B5EF4-FFF2-40B4-BE49-F238E27FC236}">
-                  <a16:creationId xmlns:a16="http://schemas.microsoft.com/office/drawing/2014/main" xmlns="" id="{28395788-EA09-4A23-BD96-A53FA01A205C}"/>
+                  <a16:creationId xmlns="" xmlns:a16="http://schemas.microsoft.com/office/drawing/2014/main" id="{28395788-EA09-4A23-BD96-A53FA01A205C}"/>
                 </a:ext>
               </a:extLst>
             </p:cNvPr>
@@ -16552,7 +16461,7 @@
               <p:cNvPr id="37" name="Group 15">
                 <a:extLst>
                   <a:ext uri="{FF2B5EF4-FFF2-40B4-BE49-F238E27FC236}">
-                    <a16:creationId xmlns:a16="http://schemas.microsoft.com/office/drawing/2014/main" xmlns="" id="{44546B8D-B723-4040-AC00-8B3DA694AE40}"/>
+                    <a16:creationId xmlns="" xmlns:a16="http://schemas.microsoft.com/office/drawing/2014/main" id="{44546B8D-B723-4040-AC00-8B3DA694AE40}"/>
                   </a:ext>
                 </a:extLst>
               </p:cNvPr>
@@ -16572,7 +16481,7 @@
                 <p:cNvPr id="39" name="Group 16">
                   <a:extLst>
                     <a:ext uri="{FF2B5EF4-FFF2-40B4-BE49-F238E27FC236}">
-                      <a16:creationId xmlns:a16="http://schemas.microsoft.com/office/drawing/2014/main" xmlns="" id="{6AC89B0E-092A-420D-A041-61EF63E3CBC2}"/>
+                      <a16:creationId xmlns="" xmlns:a16="http://schemas.microsoft.com/office/drawing/2014/main" id="{6AC89B0E-092A-420D-A041-61EF63E3CBC2}"/>
                     </a:ext>
                   </a:extLst>
                 </p:cNvPr>
@@ -16592,7 +16501,7 @@
                   <p:cNvPr id="42" name="Freeform: Shape 19">
                     <a:extLst>
                       <a:ext uri="{FF2B5EF4-FFF2-40B4-BE49-F238E27FC236}">
-                        <a16:creationId xmlns:a16="http://schemas.microsoft.com/office/drawing/2014/main" xmlns="" id="{2A772B21-38F2-4C1F-9B2A-1F050B3B174A}"/>
+                        <a16:creationId xmlns="" xmlns:a16="http://schemas.microsoft.com/office/drawing/2014/main" id="{2A772B21-38F2-4C1F-9B2A-1F050B3B174A}"/>
                       </a:ext>
                     </a:extLst>
                   </p:cNvPr>
@@ -16763,7 +16672,7 @@
                   <p:cNvPr id="43" name="Freeform: Shape 20">
                     <a:extLst>
                       <a:ext uri="{FF2B5EF4-FFF2-40B4-BE49-F238E27FC236}">
-                        <a16:creationId xmlns:a16="http://schemas.microsoft.com/office/drawing/2014/main" xmlns="" id="{9EAA93AE-C1D3-4DDD-B458-A9BD755C6FD5}"/>
+                        <a16:creationId xmlns="" xmlns:a16="http://schemas.microsoft.com/office/drawing/2014/main" id="{9EAA93AE-C1D3-4DDD-B458-A9BD755C6FD5}"/>
                       </a:ext>
                     </a:extLst>
                   </p:cNvPr>
@@ -16951,7 +16860,7 @@
                   <p:cNvPr id="44" name="Straight Arrow Connector 21">
                     <a:extLst>
                       <a:ext uri="{FF2B5EF4-FFF2-40B4-BE49-F238E27FC236}">
-                        <a16:creationId xmlns:a16="http://schemas.microsoft.com/office/drawing/2014/main" xmlns="" id="{3033C3D8-0858-4021-9B16-DB2EBC612BB1}"/>
+                        <a16:creationId xmlns="" xmlns:a16="http://schemas.microsoft.com/office/drawing/2014/main" id="{3033C3D8-0858-4021-9B16-DB2EBC612BB1}"/>
                       </a:ext>
                     </a:extLst>
                   </p:cNvPr>
@@ -16993,7 +16902,7 @@
                   <p:cNvPr id="45" name="Straight Arrow Connector 22">
                     <a:extLst>
                       <a:ext uri="{FF2B5EF4-FFF2-40B4-BE49-F238E27FC236}">
-                        <a16:creationId xmlns:a16="http://schemas.microsoft.com/office/drawing/2014/main" xmlns="" id="{3285A412-DF37-4FC8-872A-3BD7F388A832}"/>
+                        <a16:creationId xmlns="" xmlns:a16="http://schemas.microsoft.com/office/drawing/2014/main" id="{3285A412-DF37-4FC8-872A-3BD7F388A832}"/>
                       </a:ext>
                     </a:extLst>
                   </p:cNvPr>
@@ -17035,7 +16944,7 @@
                   <p:cNvPr id="46" name="TextBox 23">
                     <a:extLst>
                       <a:ext uri="{FF2B5EF4-FFF2-40B4-BE49-F238E27FC236}">
-                        <a16:creationId xmlns:a16="http://schemas.microsoft.com/office/drawing/2014/main" xmlns="" id="{3B36F23F-8887-4C72-8BC1-6B0528C885D1}"/>
+                        <a16:creationId xmlns="" xmlns:a16="http://schemas.microsoft.com/office/drawing/2014/main" id="{3B36F23F-8887-4C72-8BC1-6B0528C885D1}"/>
                       </a:ext>
                     </a:extLst>
                   </p:cNvPr>
@@ -17070,7 +16979,7 @@
                   <p:cNvPr id="47" name="TextBox 24">
                     <a:extLst>
                       <a:ext uri="{FF2B5EF4-FFF2-40B4-BE49-F238E27FC236}">
-                        <a16:creationId xmlns:a16="http://schemas.microsoft.com/office/drawing/2014/main" xmlns="" id="{7037B295-27AC-4BD5-AE63-03E5B60F95DF}"/>
+                        <a16:creationId xmlns="" xmlns:a16="http://schemas.microsoft.com/office/drawing/2014/main" id="{7037B295-27AC-4BD5-AE63-03E5B60F95DF}"/>
                       </a:ext>
                     </a:extLst>
                   </p:cNvPr>
@@ -17111,7 +17020,7 @@
                 <p:cNvPr id="40" name="TextBox 17">
                   <a:extLst>
                     <a:ext uri="{FF2B5EF4-FFF2-40B4-BE49-F238E27FC236}">
-                      <a16:creationId xmlns:a16="http://schemas.microsoft.com/office/drawing/2014/main" xmlns="" id="{A3A0665E-DD88-4DAE-96BB-3CAA7A0E9E61}"/>
+                      <a16:creationId xmlns="" xmlns:a16="http://schemas.microsoft.com/office/drawing/2014/main" id="{A3A0665E-DD88-4DAE-96BB-3CAA7A0E9E61}"/>
                     </a:ext>
                   </a:extLst>
                 </p:cNvPr>
@@ -17146,7 +17055,7 @@
                 <p:cNvPr id="41" name="TextBox 18">
                   <a:extLst>
                     <a:ext uri="{FF2B5EF4-FFF2-40B4-BE49-F238E27FC236}">
-                      <a16:creationId xmlns:a16="http://schemas.microsoft.com/office/drawing/2014/main" xmlns="" id="{F39BFFF6-ADCF-453D-A3FA-3FE00347F3E7}"/>
+                      <a16:creationId xmlns="" xmlns:a16="http://schemas.microsoft.com/office/drawing/2014/main" id="{F39BFFF6-ADCF-453D-A3FA-3FE00347F3E7}"/>
                     </a:ext>
                   </a:extLst>
                 </p:cNvPr>
@@ -17182,7 +17091,7 @@
               <p:cNvPr id="38" name="Freeform: Shape 25">
                 <a:extLst>
                   <a:ext uri="{FF2B5EF4-FFF2-40B4-BE49-F238E27FC236}">
-                    <a16:creationId xmlns:a16="http://schemas.microsoft.com/office/drawing/2014/main" xmlns="" id="{0C3EC7D1-22C2-485E-8733-CB445C62968B}"/>
+                    <a16:creationId xmlns="" xmlns:a16="http://schemas.microsoft.com/office/drawing/2014/main" id="{0C3EC7D1-22C2-485E-8733-CB445C62968B}"/>
                   </a:ext>
                 </a:extLst>
               </p:cNvPr>
@@ -17675,7 +17584,7 @@
           <p:cNvPr id="21" name="Geschweifte Klammer links 20">
             <a:extLst>
               <a:ext uri="{FF2B5EF4-FFF2-40B4-BE49-F238E27FC236}">
-                <a16:creationId xmlns:a16="http://schemas.microsoft.com/office/drawing/2014/main" xmlns="" id="{46F583E0-3500-4365-8D3A-584974DC1F32}"/>
+                <a16:creationId xmlns="" xmlns:a16="http://schemas.microsoft.com/office/drawing/2014/main" id="{46F583E0-3500-4365-8D3A-584974DC1F32}"/>
               </a:ext>
             </a:extLst>
           </p:cNvPr>
@@ -18920,7 +18829,7 @@
           <p:cNvPr id="18" name="Textfeld 17">
             <a:extLst>
               <a:ext uri="{FF2B5EF4-FFF2-40B4-BE49-F238E27FC236}">
-                <a16:creationId xmlns:a16="http://schemas.microsoft.com/office/drawing/2014/main" xmlns="" xmlns:a14="http://schemas.microsoft.com/office/drawing/2010/main" xmlns:mc="http://schemas.openxmlformats.org/markup-compatibility/2006" id="{F5D0278F-8592-4DAF-B8F8-9583A0E369A0}"/>
+                <a16:creationId xmlns:mc="http://schemas.openxmlformats.org/markup-compatibility/2006" xmlns:a14="http://schemas.microsoft.com/office/drawing/2010/main" xmlns="" xmlns:a16="http://schemas.microsoft.com/office/drawing/2014/main" id="{F5D0278F-8592-4DAF-B8F8-9583A0E369A0}"/>
               </a:ext>
             </a:extLst>
           </p:cNvPr>
@@ -18943,7 +18852,6 @@
           </a:bodyPr>
           <a:lstStyle/>
           <a:p>
-            <a:pPr/>
             <a:endParaRPr lang="de-DE" sz="8000" b="0" dirty="0"/>
           </a:p>
           <a:p>
@@ -18982,28 +18890,28 @@
                 <a:gridCol w="451212">
                   <a:extLst>
                     <a:ext uri="{9D8B030D-6E8A-4147-A177-3AD203B41FA5}">
-                      <a16:colId xmlns:a16="http://schemas.microsoft.com/office/drawing/2014/main" xmlns="" val="20000"/>
+                      <a16:colId xmlns="" xmlns:a16="http://schemas.microsoft.com/office/drawing/2014/main" val="20000"/>
                     </a:ext>
                   </a:extLst>
                 </a:gridCol>
                 <a:gridCol w="451212">
                   <a:extLst>
                     <a:ext uri="{9D8B030D-6E8A-4147-A177-3AD203B41FA5}">
-                      <a16:colId xmlns:a16="http://schemas.microsoft.com/office/drawing/2014/main" xmlns="" val="20001"/>
+                      <a16:colId xmlns="" xmlns:a16="http://schemas.microsoft.com/office/drawing/2014/main" val="20001"/>
                     </a:ext>
                   </a:extLst>
                 </a:gridCol>
                 <a:gridCol w="451212">
                   <a:extLst>
                     <a:ext uri="{9D8B030D-6E8A-4147-A177-3AD203B41FA5}">
-                      <a16:colId xmlns:a16="http://schemas.microsoft.com/office/drawing/2014/main" xmlns="" val="20002"/>
+                      <a16:colId xmlns="" xmlns:a16="http://schemas.microsoft.com/office/drawing/2014/main" val="20002"/>
                     </a:ext>
                   </a:extLst>
                 </a:gridCol>
                 <a:gridCol w="451212">
                   <a:extLst>
                     <a:ext uri="{9D8B030D-6E8A-4147-A177-3AD203B41FA5}">
-                      <a16:colId xmlns:a16="http://schemas.microsoft.com/office/drawing/2014/main" xmlns="" val="20003"/>
+                      <a16:colId xmlns="" xmlns:a16="http://schemas.microsoft.com/office/drawing/2014/main" val="20003"/>
                     </a:ext>
                   </a:extLst>
                 </a:gridCol>
@@ -19295,7 +19203,7 @@
                 </a:tc>
                 <a:extLst>
                   <a:ext uri="{0D108BD9-81ED-4DB2-BD59-A6C34878D82A}">
-                    <a16:rowId xmlns:a16="http://schemas.microsoft.com/office/drawing/2014/main" xmlns="" val="10000"/>
+                    <a16:rowId xmlns="" xmlns:a16="http://schemas.microsoft.com/office/drawing/2014/main" val="10000"/>
                   </a:ext>
                 </a:extLst>
               </a:tr>
@@ -19582,7 +19490,7 @@
                 </a:tc>
                 <a:extLst>
                   <a:ext uri="{0D108BD9-81ED-4DB2-BD59-A6C34878D82A}">
-                    <a16:rowId xmlns:a16="http://schemas.microsoft.com/office/drawing/2014/main" xmlns="" val="10001"/>
+                    <a16:rowId xmlns="" xmlns:a16="http://schemas.microsoft.com/office/drawing/2014/main" val="10001"/>
                   </a:ext>
                 </a:extLst>
               </a:tr>
@@ -19837,7 +19745,7 @@
                 </a:tc>
                 <a:extLst>
                   <a:ext uri="{0D108BD9-81ED-4DB2-BD59-A6C34878D82A}">
-                    <a16:rowId xmlns:a16="http://schemas.microsoft.com/office/drawing/2014/main" xmlns="" val="10002"/>
+                    <a16:rowId xmlns="" xmlns:a16="http://schemas.microsoft.com/office/drawing/2014/main" val="10002"/>
                   </a:ext>
                 </a:extLst>
               </a:tr>
@@ -20100,7 +20008,7 @@
                 </a:tc>
                 <a:extLst>
                   <a:ext uri="{0D108BD9-81ED-4DB2-BD59-A6C34878D82A}">
-                    <a16:rowId xmlns:a16="http://schemas.microsoft.com/office/drawing/2014/main" xmlns="" val="10003"/>
+                    <a16:rowId xmlns="" xmlns:a16="http://schemas.microsoft.com/office/drawing/2014/main" val="10003"/>
                   </a:ext>
                 </a:extLst>
               </a:tr>
